--- a/ECE478_Einstein_Turtlebot_Team6_Project_1/Einstein_Turtlebot_Presentaion.pptx
+++ b/ECE478_Einstein_Turtlebot_Team6_Project_1/Einstein_Turtlebot_Presentaion.pptx
@@ -266,7 +266,7 @@
       </p15:sldGuideLst>
     </p:ext>
     <p:ext uri="http://customooxmlschemas.google.com/">
-      <go:slidesCustomData xmlns="" xmlns:mc="http://schemas.openxmlformats.org/markup-compatibility/2006" xmlns:mv="urn:schemas-microsoft-com:mac:vml" xmlns:c="http://schemas.openxmlformats.org/drawingml/2006/chart" xmlns:dgm="http://schemas.openxmlformats.org/drawingml/2006/diagram" xmlns:o="urn:schemas-microsoft-com:office:office" xmlns:v="urn:schemas-microsoft-com:vml" xmlns:pvml="urn:schemas-microsoft-com:office:powerpoint" xmlns:com="http://schemas.openxmlformats.org/drawingml/2006/compatibility" xmlns:p14="http://schemas.microsoft.com/office/powerpoint/2010/main" xmlns:p15="http://schemas.microsoft.com/office/powerpoint/2012/main" xmlns:go="http://customooxmlschemas.google.com/" r:id="rId14" roundtripDataSignature="AMtx7mjURLFzoo3sKHhhRdyG01ewp7PSpg=="/>
+      <go:slidesCustomData xmlns:go="http://customooxmlschemas.google.com/" xmlns:p15="http://schemas.microsoft.com/office/powerpoint/2012/main" xmlns:p14="http://schemas.microsoft.com/office/powerpoint/2010/main" xmlns:com="http://schemas.openxmlformats.org/drawingml/2006/compatibility" xmlns:pvml="urn:schemas-microsoft-com:office:powerpoint" xmlns:v="urn:schemas-microsoft-com:vml" xmlns:o="urn:schemas-microsoft-com:office:office" xmlns:dgm="http://schemas.openxmlformats.org/drawingml/2006/diagram" xmlns:c="http://schemas.openxmlformats.org/drawingml/2006/chart" xmlns:mv="urn:schemas-microsoft-com:mac:vml" xmlns:mc="http://schemas.openxmlformats.org/markup-compatibility/2006" xmlns="" r:id="rId14" roundtripDataSignature="AMtx7mjURLFzoo3sKHhhRdyG01ewp7PSpg=="/>
     </p:ext>
   </p:extLst>
 </p:presentation>
@@ -30014,7 +30014,7 @@
           </a:bodyPr>
           <a:lstStyle/>
           <a:p>
-            <a:pPr marL="0" lvl="0" indent="0" algn="l" rtl="0">
+            <a:pPr marL="0" lvl="0" indent="0" algn="ctr" rtl="0">
               <a:lnSpc>
                 <a:spcPct val="90000"/>
               </a:lnSpc>
@@ -30032,10 +30032,10 @@
               <a:buNone/>
             </a:pPr>
             <a:r>
-              <a:rPr lang="en"/>
-              <a:t>OVERVIEW/GOALS/REQUIREMENTS</a:t>
+              <a:rPr lang="en-US" dirty="0"/>
+              <a:t>Accomplishments</a:t>
             </a:r>
-            <a:endParaRPr/>
+            <a:endParaRPr dirty="0"/>
           </a:p>
         </p:txBody>
       </p:sp>
@@ -30086,7 +30086,15 @@
             </a:pPr>
             <a:r>
               <a:rPr lang="en" dirty="0"/>
-              <a:t>We must first resurrect to previous capabilities to establish baseline.</a:t>
+              <a:t>Resurrect</a:t>
+            </a:r>
+            <a:r>
+              <a:rPr lang="en-US" dirty="0"/>
+              <a:t>ed</a:t>
+            </a:r>
+            <a:r>
+              <a:rPr lang="en" dirty="0"/>
+              <a:t> to previous capabilities to establish baseline.</a:t>
             </a:r>
             <a:endParaRPr dirty="0"/>
           </a:p>
@@ -30109,7 +30117,15 @@
             </a:pPr>
             <a:r>
               <a:rPr lang="en" dirty="0"/>
-              <a:t>Research possible software improvements, using  current industry standards</a:t>
+              <a:t>Research</a:t>
+            </a:r>
+            <a:r>
+              <a:rPr lang="en-US" dirty="0"/>
+              <a:t>ed</a:t>
+            </a:r>
+            <a:r>
+              <a:rPr lang="en" dirty="0"/>
+              <a:t> software improvements </a:t>
             </a:r>
           </a:p>
           <a:p>
@@ -30131,7 +30147,15 @@
             </a:pPr>
             <a:r>
               <a:rPr lang="en" dirty="0"/>
-              <a:t>Add Keyboard controls to control robot </a:t>
+              <a:t>Add</a:t>
+            </a:r>
+            <a:r>
+              <a:rPr lang="en-US" dirty="0"/>
+              <a:t>ed</a:t>
+            </a:r>
+            <a:r>
+              <a:rPr lang="en" dirty="0"/>
+              <a:t> Keyboard controls to control robot </a:t>
             </a:r>
             <a:endParaRPr dirty="0"/>
           </a:p>
@@ -30154,7 +30178,19 @@
             </a:pPr>
             <a:r>
               <a:rPr lang="en" dirty="0"/>
-              <a:t>Add to head and arm movements, more gestures, smoother movement</a:t>
+              <a:t>Add</a:t>
+            </a:r>
+            <a:r>
+              <a:rPr lang="en-US" dirty="0"/>
+              <a:t>ed</a:t>
+            </a:r>
+            <a:r>
+              <a:rPr lang="en" dirty="0"/>
+              <a:t> to head and arm movements, more gestures, smoother movement – </a:t>
+            </a:r>
+            <a:r>
+              <a:rPr lang="en-US" dirty="0"/>
+              <a:t>All working – debug needed in concurrency </a:t>
             </a:r>
             <a:endParaRPr dirty="0"/>
           </a:p>
@@ -30177,7 +30213,15 @@
             </a:pPr>
             <a:r>
               <a:rPr lang="en" dirty="0"/>
-              <a:t>Reconnect API’s and webhooks for vocal recognition and speech synthesis</a:t>
+              <a:t>Connect</a:t>
+            </a:r>
+            <a:r>
+              <a:rPr lang="en-US" dirty="0"/>
+              <a:t>ed</a:t>
+            </a:r>
+            <a:r>
+              <a:rPr lang="en" dirty="0"/>
+              <a:t> API’s and webhooks for vocal recognition </a:t>
             </a:r>
             <a:endParaRPr dirty="0"/>
           </a:p>
@@ -30200,7 +30244,15 @@
             </a:pPr>
             <a:r>
               <a:rPr lang="en" dirty="0"/>
-              <a:t>Improve speech synthesis, and increase library of vocabulary</a:t>
+              <a:t>Improve</a:t>
+            </a:r>
+            <a:r>
+              <a:rPr lang="en-US" dirty="0"/>
+              <a:t>d</a:t>
+            </a:r>
+            <a:r>
+              <a:rPr lang="en" dirty="0"/>
+              <a:t> speech synthesis, and increase library of vocabulary</a:t>
             </a:r>
             <a:endParaRPr dirty="0"/>
           </a:p>
@@ -30223,7 +30275,19 @@
             </a:pPr>
             <a:r>
               <a:rPr lang="en" dirty="0"/>
-              <a:t>Write script to perform in a theater play</a:t>
+              <a:t>Wr</a:t>
+            </a:r>
+            <a:r>
+              <a:rPr lang="en-US" dirty="0" err="1"/>
+              <a:t>ote</a:t>
+            </a:r>
+            <a:r>
+              <a:rPr lang="en-US" dirty="0"/>
+              <a:t> </a:t>
+            </a:r>
+            <a:r>
+              <a:rPr lang="en" dirty="0"/>
+              <a:t>script to perform in a theater play</a:t>
             </a:r>
             <a:endParaRPr dirty="0"/>
           </a:p>
@@ -30370,7 +30434,7 @@
             </a:pPr>
             <a:r>
               <a:rPr lang="en" dirty="0"/>
-              <a:t>We have divided the project tasks into 5 categories:</a:t>
+              <a:t>The divided the project tasks into 5 categories:</a:t>
             </a:r>
             <a:endParaRPr dirty="0"/>
           </a:p>
@@ -30393,7 +30457,11 @@
             </a:pPr>
             <a:r>
               <a:rPr lang="en" dirty="0"/>
-              <a:t>Speech Synthesis</a:t>
+              <a:t>Speech Synthesis – </a:t>
+            </a:r>
+            <a:r>
+              <a:rPr lang="en-US" dirty="0"/>
+              <a:t>In progress</a:t>
             </a:r>
             <a:endParaRPr dirty="0"/>
           </a:p>
@@ -30416,7 +30484,19 @@
             </a:pPr>
             <a:r>
               <a:rPr lang="en" dirty="0"/>
-              <a:t>Voice Recognition</a:t>
+              <a:t>Voice Recognition – </a:t>
+            </a:r>
+            <a:r>
+              <a:rPr lang="en-US" dirty="0"/>
+              <a:t>In progress – Google Play needs </a:t>
+            </a:r>
+            <a:r>
+              <a:rPr lang="en-US" dirty="0" err="1"/>
+              <a:t>wifi</a:t>
+            </a:r>
+            <a:r>
+              <a:rPr lang="en-US" dirty="0"/>
+              <a:t> </a:t>
             </a:r>
             <a:endParaRPr dirty="0"/>
           </a:p>
@@ -30436,7 +30516,11 @@
             </a:pPr>
             <a:r>
               <a:rPr lang="en" dirty="0"/>
-              <a:t>Hardware improvements/repairs</a:t>
+              <a:t>Hardware improvements/repairs – </a:t>
+            </a:r>
+            <a:r>
+              <a:rPr lang="en-US" dirty="0"/>
+              <a:t>accomplished </a:t>
             </a:r>
             <a:endParaRPr dirty="0"/>
           </a:p>
@@ -30459,7 +30543,11 @@
             </a:pPr>
             <a:r>
               <a:rPr lang="en" dirty="0"/>
-              <a:t>Robot Theater Scripting</a:t>
+              <a:t>Robot Theater Scripting – </a:t>
+            </a:r>
+            <a:r>
+              <a:rPr lang="en-US" dirty="0"/>
+              <a:t>accomplished </a:t>
             </a:r>
             <a:endParaRPr dirty="0"/>
           </a:p>
@@ -30482,7 +30570,11 @@
             </a:pPr>
             <a:r>
               <a:rPr lang="en" dirty="0"/>
-              <a:t>Director</a:t>
+              <a:t>Director – </a:t>
+            </a:r>
+            <a:r>
+              <a:rPr lang="en-US" dirty="0"/>
+              <a:t>Keyboard and script control </a:t>
             </a:r>
             <a:endParaRPr dirty="0"/>
           </a:p>
@@ -30648,7 +30740,11 @@
             </a:pPr>
             <a:r>
               <a:rPr lang="en" dirty="0"/>
-              <a:t>Speech synthesis is accomplished using a text to speech web application</a:t>
+              <a:t>Speech synthesis is accomplished using a text to speech web applicatio</a:t>
+            </a:r>
+            <a:r>
+              <a:rPr lang="en-US" dirty="0"/>
+              <a:t>n – Google Play</a:t>
             </a:r>
             <a:endParaRPr dirty="0"/>
           </a:p>
@@ -31576,7 +31672,12 @@
             <p:ph type="body" idx="1"/>
           </p:nvPr>
         </p:nvSpPr>
-        <p:spPr/>
+        <p:spPr>
+          <a:xfrm>
+            <a:off x="1368938" y="1238937"/>
+            <a:ext cx="7038900" cy="2911200"/>
+          </a:xfrm>
+        </p:spPr>
         <p:txBody>
           <a:bodyPr/>
           <a:lstStyle/>
@@ -31727,7 +31828,7 @@
           <a:p>
             <a:r>
               <a:rPr lang="en-US" dirty="0"/>
-              <a:t>Einstein clap his hands and drive away based on commands</a:t>
+              <a:t>Einstein waive his arms and preforms based on commands</a:t>
             </a:r>
           </a:p>
           <a:p>

--- a/ECE478_Einstein_Turtlebot_Team6_Project_1/Einstein_Turtlebot_Presentaion.pptx
+++ b/ECE478_Einstein_Turtlebot_Team6_Project_1/Einstein_Turtlebot_Presentaion.pptx
@@ -5,19 +5,18 @@
     <p:sldMasterId id="2147483648" r:id="rId1"/>
   </p:sldMasterIdLst>
   <p:notesMasterIdLst>
-    <p:notesMasterId r:id="rId12"/>
+    <p:notesMasterId r:id="rId11"/>
   </p:notesMasterIdLst>
   <p:sldIdLst>
     <p:sldId id="256" r:id="rId2"/>
     <p:sldId id="257" r:id="rId3"/>
-    <p:sldId id="258" r:id="rId4"/>
-    <p:sldId id="259" r:id="rId5"/>
-    <p:sldId id="260" r:id="rId6"/>
-    <p:sldId id="261" r:id="rId7"/>
-    <p:sldId id="262" r:id="rId8"/>
-    <p:sldId id="264" r:id="rId9"/>
-    <p:sldId id="265" r:id="rId10"/>
-    <p:sldId id="263" r:id="rId11"/>
+    <p:sldId id="259" r:id="rId4"/>
+    <p:sldId id="260" r:id="rId5"/>
+    <p:sldId id="261" r:id="rId6"/>
+    <p:sldId id="262" r:id="rId7"/>
+    <p:sldId id="264" r:id="rId8"/>
+    <p:sldId id="265" r:id="rId9"/>
+    <p:sldId id="263" r:id="rId10"/>
   </p:sldIdLst>
   <p:sldSz cx="9144000" cy="5143500" type="screen16x9"/>
   <p:notesSz cx="6858000" cy="9144000"/>
@@ -1100,128 +1099,6 @@
   <p:cSld>
     <p:spTree>
       <p:nvGrpSpPr>
-        <p:cNvPr id="1" name="Shape 246"/>
-        <p:cNvGrpSpPr/>
-        <p:nvPr/>
-      </p:nvGrpSpPr>
-      <p:grpSpPr>
-        <a:xfrm>
-          <a:off x="0" y="0"/>
-          <a:ext cx="0" cy="0"/>
-          <a:chOff x="0" y="0"/>
-          <a:chExt cx="0" cy="0"/>
-        </a:xfrm>
-      </p:grpSpPr>
-      <p:sp>
-        <p:nvSpPr>
-          <p:cNvPr id="247" name="Google Shape;247;p3:notes"/>
-          <p:cNvSpPr>
-            <a:spLocks noGrp="1" noRot="1" noChangeAspect="1"/>
-          </p:cNvSpPr>
-          <p:nvPr>
-            <p:ph type="sldImg" idx="2"/>
-          </p:nvPr>
-        </p:nvSpPr>
-        <p:spPr>
-          <a:xfrm>
-            <a:off x="381000" y="685800"/>
-            <a:ext cx="6096000" cy="3429000"/>
-          </a:xfrm>
-          <a:custGeom>
-            <a:avLst/>
-            <a:gdLst/>
-            <a:ahLst/>
-            <a:cxnLst/>
-            <a:rect l="l" t="t" r="r" b="b"/>
-            <a:pathLst>
-              <a:path w="120000" h="120000" extrusionOk="0">
-                <a:moveTo>
-                  <a:pt x="0" y="0"/>
-                </a:moveTo>
-                <a:lnTo>
-                  <a:pt x="120000" y="0"/>
-                </a:lnTo>
-                <a:lnTo>
-                  <a:pt x="120000" y="120000"/>
-                </a:lnTo>
-                <a:lnTo>
-                  <a:pt x="0" y="120000"/>
-                </a:lnTo>
-                <a:close/>
-              </a:path>
-            </a:pathLst>
-          </a:custGeom>
-          <a:noFill/>
-          <a:ln w="9525" cap="flat" cmpd="sng">
-            <a:solidFill>
-              <a:srgbClr val="000000"/>
-            </a:solidFill>
-            <a:prstDash val="solid"/>
-            <a:round/>
-            <a:headEnd type="none" w="sm" len="sm"/>
-            <a:tailEnd type="none" w="sm" len="sm"/>
-          </a:ln>
-        </p:spPr>
-      </p:sp>
-      <p:sp>
-        <p:nvSpPr>
-          <p:cNvPr id="248" name="Google Shape;248;p3:notes"/>
-          <p:cNvSpPr txBox="1">
-            <a:spLocks noGrp="1"/>
-          </p:cNvSpPr>
-          <p:nvPr>
-            <p:ph type="body" idx="1"/>
-          </p:nvPr>
-        </p:nvSpPr>
-        <p:spPr>
-          <a:xfrm>
-            <a:off x="685800" y="4343400"/>
-            <a:ext cx="5486400" cy="4114800"/>
-          </a:xfrm>
-          <a:prstGeom prst="rect">
-            <a:avLst/>
-          </a:prstGeom>
-          <a:noFill/>
-          <a:ln>
-            <a:noFill/>
-          </a:ln>
-        </p:spPr>
-        <p:txBody>
-          <a:bodyPr spcFirstLastPara="1" wrap="square" lIns="91425" tIns="91425" rIns="91425" bIns="91425" anchor="t" anchorCtr="0">
-            <a:noAutofit/>
-          </a:bodyPr>
-          <a:lstStyle/>
-          <a:p>
-            <a:pPr marL="0" lvl="0" indent="0" algn="l" rtl="0">
-              <a:lnSpc>
-                <a:spcPct val="100000"/>
-              </a:lnSpc>
-              <a:spcBef>
-                <a:spcPts val="0"/>
-              </a:spcBef>
-              <a:spcAft>
-                <a:spcPts val="0"/>
-              </a:spcAft>
-              <a:buSzPts val="1100"/>
-              <a:buNone/>
-            </a:pPr>
-            <a:endParaRPr/>
-          </a:p>
-        </p:txBody>
-      </p:sp>
-    </p:spTree>
-  </p:cSld>
-  <p:clrMapOvr>
-    <a:masterClrMapping/>
-  </p:clrMapOvr>
-</p:notes>
-</file>
-
-<file path=ppt/notesSlides/notesSlide4.xml><?xml version="1.0" encoding="utf-8"?>
-<p:notes xmlns:a="http://schemas.openxmlformats.org/drawingml/2006/main" xmlns:r="http://schemas.openxmlformats.org/officeDocument/2006/relationships" xmlns:p="http://schemas.openxmlformats.org/presentationml/2006/main" showMasterSp="0" showMasterPhAnim="0">
-  <p:cSld>
-    <p:spTree>
-      <p:nvGrpSpPr>
         <p:cNvPr id="1" name="Shape 252"/>
         <p:cNvGrpSpPr/>
         <p:nvPr/>
@@ -1339,7 +1216,7 @@
 </p:notes>
 </file>
 
-<file path=ppt/notesSlides/notesSlide5.xml><?xml version="1.0" encoding="utf-8"?>
+<file path=ppt/notesSlides/notesSlide4.xml><?xml version="1.0" encoding="utf-8"?>
 <p:notes xmlns:a="http://schemas.openxmlformats.org/drawingml/2006/main" xmlns:r="http://schemas.openxmlformats.org/officeDocument/2006/relationships" xmlns:p="http://schemas.openxmlformats.org/presentationml/2006/main" showMasterSp="0" showMasterPhAnim="0">
   <p:cSld>
     <p:spTree>
@@ -1461,7 +1338,7 @@
 </p:notes>
 </file>
 
-<file path=ppt/notesSlides/notesSlide6.xml><?xml version="1.0" encoding="utf-8"?>
+<file path=ppt/notesSlides/notesSlide5.xml><?xml version="1.0" encoding="utf-8"?>
 <p:notes xmlns:a="http://schemas.openxmlformats.org/drawingml/2006/main" xmlns:r="http://schemas.openxmlformats.org/officeDocument/2006/relationships" xmlns:p="http://schemas.openxmlformats.org/presentationml/2006/main" showMasterSp="0" showMasterPhAnim="0">
   <p:cSld>
     <p:spTree>
@@ -1583,7 +1460,7 @@
 </p:notes>
 </file>
 
-<file path=ppt/notesSlides/notesSlide7.xml><?xml version="1.0" encoding="utf-8"?>
+<file path=ppt/notesSlides/notesSlide6.xml><?xml version="1.0" encoding="utf-8"?>
 <p:notes xmlns:a="http://schemas.openxmlformats.org/drawingml/2006/main" xmlns:r="http://schemas.openxmlformats.org/officeDocument/2006/relationships" xmlns:p="http://schemas.openxmlformats.org/presentationml/2006/main" showMasterSp="0" showMasterPhAnim="0">
   <p:cSld>
     <p:spTree>
@@ -1705,7 +1582,7 @@
 </p:notes>
 </file>
 
-<file path=ppt/notesSlides/notesSlide8.xml><?xml version="1.0" encoding="utf-8"?>
+<file path=ppt/notesSlides/notesSlide7.xml><?xml version="1.0" encoding="utf-8"?>
 <p:notes xmlns:a="http://schemas.openxmlformats.org/drawingml/2006/main" xmlns:r="http://schemas.openxmlformats.org/officeDocument/2006/relationships" xmlns:p="http://schemas.openxmlformats.org/presentationml/2006/main" showMasterSp="0" showMasterPhAnim="0">
   <p:cSld>
     <p:spTree>
@@ -29715,259 +29592,6 @@
 </p:sld>
 </file>
 
-<file path=ppt/slides/slide10.xml><?xml version="1.0" encoding="utf-8"?>
-<p:sld xmlns:a="http://schemas.openxmlformats.org/drawingml/2006/main" xmlns:r="http://schemas.openxmlformats.org/officeDocument/2006/relationships" xmlns:p="http://schemas.openxmlformats.org/presentationml/2006/main">
-  <p:cSld>
-    <p:spTree>
-      <p:nvGrpSpPr>
-        <p:cNvPr id="1" name="Shape 279"/>
-        <p:cNvGrpSpPr/>
-        <p:nvPr/>
-      </p:nvGrpSpPr>
-      <p:grpSpPr>
-        <a:xfrm>
-          <a:off x="0" y="0"/>
-          <a:ext cx="0" cy="0"/>
-          <a:chOff x="0" y="0"/>
-          <a:chExt cx="0" cy="0"/>
-        </a:xfrm>
-      </p:grpSpPr>
-      <p:sp>
-        <p:nvSpPr>
-          <p:cNvPr id="280" name="Google Shape;280;p8"/>
-          <p:cNvSpPr txBox="1">
-            <a:spLocks noGrp="1"/>
-          </p:cNvSpPr>
-          <p:nvPr>
-            <p:ph type="title"/>
-          </p:nvPr>
-        </p:nvSpPr>
-        <p:spPr>
-          <a:xfrm>
-            <a:off x="1297500" y="393750"/>
-            <a:ext cx="7038900" cy="914100"/>
-          </a:xfrm>
-          <a:prstGeom prst="rect">
-            <a:avLst/>
-          </a:prstGeom>
-          <a:noFill/>
-          <a:ln w="9525" cap="flat" cmpd="sng">
-            <a:solidFill>
-              <a:srgbClr val="FFFFFF"/>
-            </a:solidFill>
-            <a:prstDash val="solid"/>
-            <a:round/>
-            <a:headEnd type="none" w="sm" len="sm"/>
-            <a:tailEnd type="none" w="sm" len="sm"/>
-          </a:ln>
-        </p:spPr>
-        <p:txBody>
-          <a:bodyPr spcFirstLastPara="1" wrap="square" lIns="91425" tIns="91425" rIns="91425" bIns="91425" anchor="t" anchorCtr="0">
-            <a:noAutofit/>
-          </a:bodyPr>
-          <a:lstStyle/>
-          <a:p>
-            <a:pPr marL="0" lvl="0" indent="0" algn="ctr" rtl="0">
-              <a:lnSpc>
-                <a:spcPct val="90000"/>
-              </a:lnSpc>
-              <a:spcBef>
-                <a:spcPts val="0"/>
-              </a:spcBef>
-              <a:spcAft>
-                <a:spcPts val="0"/>
-              </a:spcAft>
-              <a:buClr>
-                <a:schemeClr val="lt1"/>
-              </a:buClr>
-              <a:buSzPts val="2400"/>
-              <a:buFont typeface="Twentieth Century"/>
-              <a:buNone/>
-            </a:pPr>
-            <a:r>
-              <a:rPr lang="en" dirty="0"/>
-              <a:t>WHAT WE LEARNED</a:t>
-            </a:r>
-            <a:endParaRPr dirty="0"/>
-          </a:p>
-        </p:txBody>
-      </p:sp>
-      <p:sp>
-        <p:nvSpPr>
-          <p:cNvPr id="281" name="Google Shape;281;p8"/>
-          <p:cNvSpPr txBox="1">
-            <a:spLocks noGrp="1"/>
-          </p:cNvSpPr>
-          <p:nvPr>
-            <p:ph type="body" idx="1"/>
-          </p:nvPr>
-        </p:nvSpPr>
-        <p:spPr>
-          <a:xfrm>
-            <a:off x="1297500" y="1344250"/>
-            <a:ext cx="7038900" cy="3601200"/>
-          </a:xfrm>
-          <a:prstGeom prst="rect">
-            <a:avLst/>
-          </a:prstGeom>
-          <a:noFill/>
-          <a:ln>
-            <a:noFill/>
-          </a:ln>
-        </p:spPr>
-        <p:txBody>
-          <a:bodyPr spcFirstLastPara="1" wrap="square" lIns="91425" tIns="91425" rIns="91425" bIns="91425" anchor="t" anchorCtr="0">
-            <a:noAutofit/>
-          </a:bodyPr>
-          <a:lstStyle/>
-          <a:p>
-            <a:pPr marL="457200" lvl="0" indent="-311150" algn="l" rtl="0">
-              <a:lnSpc>
-                <a:spcPct val="120000"/>
-              </a:lnSpc>
-              <a:spcBef>
-                <a:spcPts val="0"/>
-              </a:spcBef>
-              <a:spcAft>
-                <a:spcPts val="0"/>
-              </a:spcAft>
-              <a:buClr>
-                <a:schemeClr val="lt1"/>
-              </a:buClr>
-              <a:buSzPts val="1300"/>
-              <a:buChar char="●"/>
-            </a:pPr>
-            <a:r>
-              <a:rPr lang="en-US" dirty="0"/>
-              <a:t>Hardware and Software setup takes a great deal of time to accomplish</a:t>
-            </a:r>
-          </a:p>
-          <a:p>
-            <a:pPr marL="457200" lvl="0" indent="-311150" algn="l" rtl="0">
-              <a:lnSpc>
-                <a:spcPct val="120000"/>
-              </a:lnSpc>
-              <a:spcBef>
-                <a:spcPts val="0"/>
-              </a:spcBef>
-              <a:spcAft>
-                <a:spcPts val="0"/>
-              </a:spcAft>
-              <a:buClr>
-                <a:schemeClr val="lt1"/>
-              </a:buClr>
-              <a:buSzPts val="1300"/>
-              <a:buChar char="●"/>
-            </a:pPr>
-            <a:r>
-              <a:rPr lang="en-US" dirty="0"/>
-              <a:t>Need to invest more time for debug after setup</a:t>
-            </a:r>
-          </a:p>
-          <a:p>
-            <a:pPr marL="457200" lvl="0" indent="-311150" algn="l" rtl="0">
-              <a:lnSpc>
-                <a:spcPct val="120000"/>
-              </a:lnSpc>
-              <a:spcBef>
-                <a:spcPts val="0"/>
-              </a:spcBef>
-              <a:spcAft>
-                <a:spcPts val="0"/>
-              </a:spcAft>
-              <a:buClr>
-                <a:schemeClr val="lt1"/>
-              </a:buClr>
-              <a:buSzPts val="1300"/>
-              <a:buChar char="●"/>
-            </a:pPr>
-            <a:r>
-              <a:rPr lang="en-US" dirty="0"/>
-              <a:t>Keep all configurations local and similar</a:t>
-            </a:r>
-          </a:p>
-          <a:p>
-            <a:pPr marL="457200" lvl="0" indent="-311150" algn="l" rtl="0">
-              <a:lnSpc>
-                <a:spcPct val="120000"/>
-              </a:lnSpc>
-              <a:spcBef>
-                <a:spcPts val="0"/>
-              </a:spcBef>
-              <a:spcAft>
-                <a:spcPts val="0"/>
-              </a:spcAft>
-              <a:buClr>
-                <a:schemeClr val="lt1"/>
-              </a:buClr>
-              <a:buSzPts val="1300"/>
-              <a:buChar char="●"/>
-            </a:pPr>
-            <a:r>
-              <a:rPr lang="en-US" dirty="0"/>
-              <a:t>Need to refine movements and gestures </a:t>
-            </a:r>
-            <a:endParaRPr dirty="0"/>
-          </a:p>
-          <a:p>
-            <a:pPr marL="457200" lvl="0" indent="-311150" algn="l" rtl="0">
-              <a:lnSpc>
-                <a:spcPct val="120000"/>
-              </a:lnSpc>
-              <a:spcBef>
-                <a:spcPts val="0"/>
-              </a:spcBef>
-              <a:spcAft>
-                <a:spcPts val="0"/>
-              </a:spcAft>
-              <a:buClr>
-                <a:schemeClr val="lt1"/>
-              </a:buClr>
-              <a:buSzPts val="1300"/>
-              <a:buChar char="●"/>
-            </a:pPr>
-            <a:r>
-              <a:rPr lang="en" dirty="0"/>
-              <a:t>Refine our skills with OpenCV, </a:t>
-            </a:r>
-            <a:r>
-              <a:rPr lang="en-US" dirty="0"/>
-              <a:t>make movements and gestures funnier and based on the facial recognition system</a:t>
-            </a:r>
-          </a:p>
-          <a:p>
-            <a:pPr marL="457200" lvl="0" indent="-311150" algn="l" rtl="0">
-              <a:lnSpc>
-                <a:spcPct val="120000"/>
-              </a:lnSpc>
-              <a:spcBef>
-                <a:spcPts val="0"/>
-              </a:spcBef>
-              <a:spcAft>
-                <a:spcPts val="0"/>
-              </a:spcAft>
-              <a:buClr>
-                <a:schemeClr val="lt1"/>
-              </a:buClr>
-              <a:buSzPts val="1300"/>
-              <a:buChar char="●"/>
-            </a:pPr>
-            <a:r>
-              <a:rPr lang="en-US" dirty="0"/>
-              <a:t>Put more time into speech synthesis, need to make bridged connection for Internet</a:t>
-            </a:r>
-            <a:endParaRPr dirty="0"/>
-          </a:p>
-        </p:txBody>
-      </p:sp>
-    </p:spTree>
-  </p:cSld>
-  <p:clrMapOvr>
-    <a:masterClrMapping/>
-  </p:clrMapOvr>
-</p:sld>
-</file>
-
 <file path=ppt/slides/slide2.xml><?xml version="1.0" encoding="utf-8"?>
 <p:sld xmlns:a="http://schemas.openxmlformats.org/drawingml/2006/main" xmlns:r="http://schemas.openxmlformats.org/officeDocument/2006/relationships" xmlns:p="http://schemas.openxmlformats.org/presentationml/2006/main">
   <p:cSld>
@@ -30094,7 +29718,15 @@
             </a:r>
             <a:r>
               <a:rPr lang="en" dirty="0"/>
-              <a:t> to previous capabilities to establish baseline.</a:t>
+              <a:t> to previous capabilities to establish</a:t>
+            </a:r>
+            <a:r>
+              <a:rPr lang="en-US" dirty="0" err="1"/>
+              <a:t>ing</a:t>
+            </a:r>
+            <a:r>
+              <a:rPr lang="en" dirty="0"/>
+              <a:t> baseline.</a:t>
             </a:r>
             <a:endParaRPr dirty="0"/>
           </a:p>
@@ -30317,278 +29949,6 @@
 </file>
 
 <file path=ppt/slides/slide3.xml><?xml version="1.0" encoding="utf-8"?>
-<p:sld xmlns:a="http://schemas.openxmlformats.org/drawingml/2006/main" xmlns:r="http://schemas.openxmlformats.org/officeDocument/2006/relationships" xmlns:p="http://schemas.openxmlformats.org/presentationml/2006/main">
-  <p:cSld>
-    <p:spTree>
-      <p:nvGrpSpPr>
-        <p:cNvPr id="1" name="Shape 249"/>
-        <p:cNvGrpSpPr/>
-        <p:nvPr/>
-      </p:nvGrpSpPr>
-      <p:grpSpPr>
-        <a:xfrm>
-          <a:off x="0" y="0"/>
-          <a:ext cx="0" cy="0"/>
-          <a:chOff x="0" y="0"/>
-          <a:chExt cx="0" cy="0"/>
-        </a:xfrm>
-      </p:grpSpPr>
-      <p:sp>
-        <p:nvSpPr>
-          <p:cNvPr id="250" name="Google Shape;250;p3"/>
-          <p:cNvSpPr txBox="1">
-            <a:spLocks noGrp="1"/>
-          </p:cNvSpPr>
-          <p:nvPr>
-            <p:ph type="title"/>
-          </p:nvPr>
-        </p:nvSpPr>
-        <p:spPr>
-          <a:xfrm>
-            <a:off x="1297500" y="393750"/>
-            <a:ext cx="7038900" cy="914100"/>
-          </a:xfrm>
-          <a:prstGeom prst="rect">
-            <a:avLst/>
-          </a:prstGeom>
-          <a:noFill/>
-          <a:ln>
-            <a:noFill/>
-          </a:ln>
-        </p:spPr>
-        <p:txBody>
-          <a:bodyPr spcFirstLastPara="1" wrap="square" lIns="91425" tIns="91425" rIns="91425" bIns="91425" anchor="t" anchorCtr="0">
-            <a:noAutofit/>
-          </a:bodyPr>
-          <a:lstStyle/>
-          <a:p>
-            <a:pPr marL="0" lvl="0" indent="0" algn="l" rtl="0">
-              <a:lnSpc>
-                <a:spcPct val="90000"/>
-              </a:lnSpc>
-              <a:spcBef>
-                <a:spcPts val="0"/>
-              </a:spcBef>
-              <a:spcAft>
-                <a:spcPts val="0"/>
-              </a:spcAft>
-              <a:buClr>
-                <a:schemeClr val="lt1"/>
-              </a:buClr>
-              <a:buSzPts val="2400"/>
-              <a:buFont typeface="Twentieth Century"/>
-              <a:buNone/>
-            </a:pPr>
-            <a:r>
-              <a:rPr lang="en"/>
-              <a:t>PROJECT TASKS</a:t>
-            </a:r>
-            <a:endParaRPr/>
-          </a:p>
-        </p:txBody>
-      </p:sp>
-      <p:sp>
-        <p:nvSpPr>
-          <p:cNvPr id="251" name="Google Shape;251;p3"/>
-          <p:cNvSpPr txBox="1">
-            <a:spLocks noGrp="1"/>
-          </p:cNvSpPr>
-          <p:nvPr>
-            <p:ph type="body" idx="1"/>
-          </p:nvPr>
-        </p:nvSpPr>
-        <p:spPr>
-          <a:xfrm>
-            <a:off x="1297500" y="1567550"/>
-            <a:ext cx="7038900" cy="2911200"/>
-          </a:xfrm>
-          <a:prstGeom prst="rect">
-            <a:avLst/>
-          </a:prstGeom>
-          <a:noFill/>
-          <a:ln>
-            <a:noFill/>
-          </a:ln>
-        </p:spPr>
-        <p:txBody>
-          <a:bodyPr spcFirstLastPara="1" wrap="square" lIns="91425" tIns="91425" rIns="91425" bIns="91425" anchor="t" anchorCtr="0">
-            <a:noAutofit/>
-          </a:bodyPr>
-          <a:lstStyle/>
-          <a:p>
-            <a:pPr marL="0" lvl="0" indent="0" algn="l" rtl="0">
-              <a:lnSpc>
-                <a:spcPct val="120000"/>
-              </a:lnSpc>
-              <a:spcBef>
-                <a:spcPts val="0"/>
-              </a:spcBef>
-              <a:spcAft>
-                <a:spcPts val="0"/>
-              </a:spcAft>
-              <a:buClr>
-                <a:schemeClr val="lt1"/>
-              </a:buClr>
-              <a:buSzPts val="1300"/>
-              <a:buNone/>
-            </a:pPr>
-            <a:r>
-              <a:rPr lang="en" dirty="0"/>
-              <a:t>The divided the project tasks into 5 categories:</a:t>
-            </a:r>
-            <a:endParaRPr dirty="0"/>
-          </a:p>
-          <a:p>
-            <a:pPr marL="457200" lvl="0" indent="-311150" algn="l" rtl="0">
-              <a:lnSpc>
-                <a:spcPct val="120000"/>
-              </a:lnSpc>
-              <a:spcBef>
-                <a:spcPts val="1600"/>
-              </a:spcBef>
-              <a:spcAft>
-                <a:spcPts val="0"/>
-              </a:spcAft>
-              <a:buClr>
-                <a:schemeClr val="lt1"/>
-              </a:buClr>
-              <a:buSzPts val="1300"/>
-              <a:buAutoNum type="arabicPeriod"/>
-            </a:pPr>
-            <a:r>
-              <a:rPr lang="en" dirty="0"/>
-              <a:t>Speech Synthesis – </a:t>
-            </a:r>
-            <a:r>
-              <a:rPr lang="en-US" dirty="0"/>
-              <a:t>In progress</a:t>
-            </a:r>
-            <a:endParaRPr dirty="0"/>
-          </a:p>
-          <a:p>
-            <a:pPr marL="457200" lvl="0" indent="-311150" algn="l" rtl="0">
-              <a:lnSpc>
-                <a:spcPct val="120000"/>
-              </a:lnSpc>
-              <a:spcBef>
-                <a:spcPts val="0"/>
-              </a:spcBef>
-              <a:spcAft>
-                <a:spcPts val="0"/>
-              </a:spcAft>
-              <a:buClr>
-                <a:schemeClr val="lt1"/>
-              </a:buClr>
-              <a:buSzPts val="1300"/>
-              <a:buAutoNum type="arabicPeriod"/>
-            </a:pPr>
-            <a:r>
-              <a:rPr lang="en" dirty="0"/>
-              <a:t>Voice Recognition – </a:t>
-            </a:r>
-            <a:r>
-              <a:rPr lang="en-US" dirty="0"/>
-              <a:t>In progress – Google Play needs </a:t>
-            </a:r>
-            <a:r>
-              <a:rPr lang="en-US" dirty="0" err="1"/>
-              <a:t>wifi</a:t>
-            </a:r>
-            <a:r>
-              <a:rPr lang="en-US" dirty="0"/>
-              <a:t> </a:t>
-            </a:r>
-            <a:endParaRPr dirty="0"/>
-          </a:p>
-          <a:p>
-            <a:pPr marL="457200" lvl="0" indent="-311150" algn="l" rtl="0">
-              <a:lnSpc>
-                <a:spcPct val="120000"/>
-              </a:lnSpc>
-              <a:spcBef>
-                <a:spcPts val="0"/>
-              </a:spcBef>
-              <a:spcAft>
-                <a:spcPts val="0"/>
-              </a:spcAft>
-              <a:buSzPts val="1300"/>
-              <a:buAutoNum type="arabicPeriod"/>
-            </a:pPr>
-            <a:r>
-              <a:rPr lang="en" dirty="0"/>
-              <a:t>Hardware improvements/repairs – </a:t>
-            </a:r>
-            <a:r>
-              <a:rPr lang="en-US" dirty="0"/>
-              <a:t>accomplished </a:t>
-            </a:r>
-            <a:endParaRPr dirty="0"/>
-          </a:p>
-          <a:p>
-            <a:pPr marL="457200" lvl="0" indent="-311150" algn="l" rtl="0">
-              <a:lnSpc>
-                <a:spcPct val="120000"/>
-              </a:lnSpc>
-              <a:spcBef>
-                <a:spcPts val="0"/>
-              </a:spcBef>
-              <a:spcAft>
-                <a:spcPts val="0"/>
-              </a:spcAft>
-              <a:buClr>
-                <a:schemeClr val="lt1"/>
-              </a:buClr>
-              <a:buSzPts val="1300"/>
-              <a:buAutoNum type="arabicPeriod"/>
-            </a:pPr>
-            <a:r>
-              <a:rPr lang="en" dirty="0"/>
-              <a:t>Robot Theater Scripting – </a:t>
-            </a:r>
-            <a:r>
-              <a:rPr lang="en-US" dirty="0"/>
-              <a:t>accomplished </a:t>
-            </a:r>
-            <a:endParaRPr dirty="0"/>
-          </a:p>
-          <a:p>
-            <a:pPr marL="457200" lvl="0" indent="-311150" algn="l" rtl="0">
-              <a:lnSpc>
-                <a:spcPct val="120000"/>
-              </a:lnSpc>
-              <a:spcBef>
-                <a:spcPts val="0"/>
-              </a:spcBef>
-              <a:spcAft>
-                <a:spcPts val="0"/>
-              </a:spcAft>
-              <a:buClr>
-                <a:schemeClr val="lt1"/>
-              </a:buClr>
-              <a:buSzPts val="1300"/>
-              <a:buAutoNum type="arabicPeriod"/>
-            </a:pPr>
-            <a:r>
-              <a:rPr lang="en" dirty="0"/>
-              <a:t>Director – </a:t>
-            </a:r>
-            <a:r>
-              <a:rPr lang="en-US" dirty="0"/>
-              <a:t>Keyboard and script control </a:t>
-            </a:r>
-            <a:endParaRPr dirty="0"/>
-          </a:p>
-        </p:txBody>
-      </p:sp>
-    </p:spTree>
-  </p:cSld>
-  <p:clrMapOvr>
-    <a:masterClrMapping/>
-  </p:clrMapOvr>
-</p:sld>
-</file>
-
-<file path=ppt/slides/slide4.xml><?xml version="1.0" encoding="utf-8"?>
 <p:sld xmlns:a="http://schemas.openxmlformats.org/drawingml/2006/main" xmlns:r="http://schemas.openxmlformats.org/officeDocument/2006/relationships" xmlns:p="http://schemas.openxmlformats.org/presentationml/2006/main">
   <p:cSld>
     <p:spTree>
@@ -30744,7 +30104,7 @@
             </a:r>
             <a:r>
               <a:rPr lang="en-US" dirty="0"/>
-              <a:t>n – Google Play</a:t>
+              <a:t>n – Google Cloud API </a:t>
             </a:r>
             <a:endParaRPr dirty="0"/>
           </a:p>
@@ -30828,7 +30188,7 @@
 </p:sld>
 </file>
 
-<file path=ppt/slides/slide5.xml><?xml version="1.0" encoding="utf-8"?>
+<file path=ppt/slides/slide4.xml><?xml version="1.0" encoding="utf-8"?>
 <p:sld xmlns:a="http://schemas.openxmlformats.org/drawingml/2006/main" xmlns:r="http://schemas.openxmlformats.org/officeDocument/2006/relationships" xmlns:p="http://schemas.openxmlformats.org/presentationml/2006/main">
   <p:cSld>
     <p:spTree>
@@ -31077,7 +30437,7 @@
 </p:sld>
 </file>
 
-<file path=ppt/slides/slide6.xml><?xml version="1.0" encoding="utf-8"?>
+<file path=ppt/slides/slide5.xml><?xml version="1.0" encoding="utf-8"?>
 <p:sld xmlns:a="http://schemas.openxmlformats.org/drawingml/2006/main" xmlns:r="http://schemas.openxmlformats.org/officeDocument/2006/relationships" xmlns:p="http://schemas.openxmlformats.org/presentationml/2006/main">
   <p:cSld>
     <p:spTree>
@@ -31350,7 +30710,7 @@
 </p:sld>
 </file>
 
-<file path=ppt/slides/slide7.xml><?xml version="1.0" encoding="utf-8"?>
+<file path=ppt/slides/slide6.xml><?xml version="1.0" encoding="utf-8"?>
 <p:sld xmlns:a="http://schemas.openxmlformats.org/drawingml/2006/main" xmlns:r="http://schemas.openxmlformats.org/officeDocument/2006/relationships" xmlns:p="http://schemas.openxmlformats.org/presentationml/2006/main">
   <p:cSld>
     <p:spTree>
@@ -31610,7 +30970,7 @@
 </p:sld>
 </file>
 
-<file path=ppt/slides/slide8.xml><?xml version="1.0" encoding="utf-8"?>
+<file path=ppt/slides/slide7.xml><?xml version="1.0" encoding="utf-8"?>
 <p:sld xmlns:a="http://schemas.openxmlformats.org/drawingml/2006/main" xmlns:r="http://schemas.openxmlformats.org/officeDocument/2006/relationships" xmlns:p="http://schemas.openxmlformats.org/presentationml/2006/main">
   <p:cSld>
     <p:spTree>
@@ -31741,7 +31101,7 @@
 </p:sld>
 </file>
 
-<file path=ppt/slides/slide9.xml><?xml version="1.0" encoding="utf-8"?>
+<file path=ppt/slides/slide8.xml><?xml version="1.0" encoding="utf-8"?>
 <p:sld xmlns:a="http://schemas.openxmlformats.org/drawingml/2006/main" xmlns:r="http://schemas.openxmlformats.org/officeDocument/2006/relationships" xmlns:p="http://schemas.openxmlformats.org/presentationml/2006/main">
   <p:cSld>
     <p:spTree>
@@ -31816,6 +31176,12 @@
           <a:p>
             <a:r>
               <a:rPr lang="en-US" dirty="0"/>
+              <a:t>Create a stable launch file for ROS</a:t>
+            </a:r>
+          </a:p>
+          <a:p>
+            <a:r>
+              <a:rPr lang="en-US" dirty="0"/>
               <a:t>Make arm and head movements based on facial recognition </a:t>
             </a:r>
           </a:p>
@@ -31837,6 +31203,12 @@
               <a:t>Have Einstein follow scripts for the robot theater</a:t>
             </a:r>
           </a:p>
+          <a:p>
+            <a:r>
+              <a:rPr lang="en-US" dirty="0"/>
+              <a:t>Have Einstein perform gestures based on user spoken intent input</a:t>
+            </a:r>
+          </a:p>
         </p:txBody>
       </p:sp>
     </p:spTree>
@@ -31845,6 +31217,281 @@
         <p14:creationId xmlns:p14="http://schemas.microsoft.com/office/powerpoint/2010/main" val="655965339"/>
       </p:ext>
     </p:extLst>
+  </p:cSld>
+  <p:clrMapOvr>
+    <a:masterClrMapping/>
+  </p:clrMapOvr>
+</p:sld>
+</file>
+
+<file path=ppt/slides/slide9.xml><?xml version="1.0" encoding="utf-8"?>
+<p:sld xmlns:a="http://schemas.openxmlformats.org/drawingml/2006/main" xmlns:r="http://schemas.openxmlformats.org/officeDocument/2006/relationships" xmlns:p="http://schemas.openxmlformats.org/presentationml/2006/main">
+  <p:cSld>
+    <p:spTree>
+      <p:nvGrpSpPr>
+        <p:cNvPr id="1" name="Shape 279"/>
+        <p:cNvGrpSpPr/>
+        <p:nvPr/>
+      </p:nvGrpSpPr>
+      <p:grpSpPr>
+        <a:xfrm>
+          <a:off x="0" y="0"/>
+          <a:ext cx="0" cy="0"/>
+          <a:chOff x="0" y="0"/>
+          <a:chExt cx="0" cy="0"/>
+        </a:xfrm>
+      </p:grpSpPr>
+      <p:sp>
+        <p:nvSpPr>
+          <p:cNvPr id="280" name="Google Shape;280;p8"/>
+          <p:cNvSpPr txBox="1">
+            <a:spLocks noGrp="1"/>
+          </p:cNvSpPr>
+          <p:nvPr>
+            <p:ph type="title"/>
+          </p:nvPr>
+        </p:nvSpPr>
+        <p:spPr>
+          <a:xfrm>
+            <a:off x="1297500" y="393750"/>
+            <a:ext cx="7038900" cy="914100"/>
+          </a:xfrm>
+          <a:prstGeom prst="rect">
+            <a:avLst/>
+          </a:prstGeom>
+          <a:noFill/>
+          <a:ln w="9525" cap="flat" cmpd="sng">
+            <a:solidFill>
+              <a:srgbClr val="FFFFFF"/>
+            </a:solidFill>
+            <a:prstDash val="solid"/>
+            <a:round/>
+            <a:headEnd type="none" w="sm" len="sm"/>
+            <a:tailEnd type="none" w="sm" len="sm"/>
+          </a:ln>
+        </p:spPr>
+        <p:txBody>
+          <a:bodyPr spcFirstLastPara="1" wrap="square" lIns="91425" tIns="91425" rIns="91425" bIns="91425" anchor="t" anchorCtr="0">
+            <a:noAutofit/>
+          </a:bodyPr>
+          <a:lstStyle/>
+          <a:p>
+            <a:pPr marL="0" lvl="0" indent="0" algn="ctr" rtl="0">
+              <a:lnSpc>
+                <a:spcPct val="90000"/>
+              </a:lnSpc>
+              <a:spcBef>
+                <a:spcPts val="0"/>
+              </a:spcBef>
+              <a:spcAft>
+                <a:spcPts val="0"/>
+              </a:spcAft>
+              <a:buClr>
+                <a:schemeClr val="lt1"/>
+              </a:buClr>
+              <a:buSzPts val="2400"/>
+              <a:buFont typeface="Twentieth Century"/>
+              <a:buNone/>
+            </a:pPr>
+            <a:r>
+              <a:rPr lang="en" dirty="0"/>
+              <a:t>WHAT WE LEARNED</a:t>
+            </a:r>
+            <a:endParaRPr dirty="0"/>
+          </a:p>
+        </p:txBody>
+      </p:sp>
+      <p:sp>
+        <p:nvSpPr>
+          <p:cNvPr id="281" name="Google Shape;281;p8"/>
+          <p:cNvSpPr txBox="1">
+            <a:spLocks noGrp="1"/>
+          </p:cNvSpPr>
+          <p:nvPr>
+            <p:ph type="body" idx="1"/>
+          </p:nvPr>
+        </p:nvSpPr>
+        <p:spPr>
+          <a:xfrm>
+            <a:off x="1297500" y="1344250"/>
+            <a:ext cx="7038900" cy="3601200"/>
+          </a:xfrm>
+          <a:prstGeom prst="rect">
+            <a:avLst/>
+          </a:prstGeom>
+          <a:noFill/>
+          <a:ln>
+            <a:noFill/>
+          </a:ln>
+        </p:spPr>
+        <p:txBody>
+          <a:bodyPr spcFirstLastPara="1" wrap="square" lIns="91425" tIns="91425" rIns="91425" bIns="91425" anchor="t" anchorCtr="0">
+            <a:noAutofit/>
+          </a:bodyPr>
+          <a:lstStyle/>
+          <a:p>
+            <a:pPr marL="457200" lvl="0" indent="-311150" algn="l" rtl="0">
+              <a:lnSpc>
+                <a:spcPct val="120000"/>
+              </a:lnSpc>
+              <a:spcBef>
+                <a:spcPts val="0"/>
+              </a:spcBef>
+              <a:spcAft>
+                <a:spcPts val="0"/>
+              </a:spcAft>
+              <a:buClr>
+                <a:schemeClr val="lt1"/>
+              </a:buClr>
+              <a:buSzPts val="1300"/>
+              <a:buChar char="●"/>
+            </a:pPr>
+            <a:r>
+              <a:rPr lang="en-US" dirty="0"/>
+              <a:t>Hardware and Software setup takes a great deal of time to accomplish</a:t>
+            </a:r>
+          </a:p>
+          <a:p>
+            <a:pPr marL="457200" lvl="0" indent="-311150" algn="l" rtl="0">
+              <a:lnSpc>
+                <a:spcPct val="120000"/>
+              </a:lnSpc>
+              <a:spcBef>
+                <a:spcPts val="0"/>
+              </a:spcBef>
+              <a:spcAft>
+                <a:spcPts val="0"/>
+              </a:spcAft>
+              <a:buClr>
+                <a:schemeClr val="lt1"/>
+              </a:buClr>
+              <a:buSzPts val="1300"/>
+              <a:buChar char="●"/>
+            </a:pPr>
+            <a:r>
+              <a:rPr lang="en-US" dirty="0"/>
+              <a:t>Need to invest more time for debug after setup</a:t>
+            </a:r>
+          </a:p>
+          <a:p>
+            <a:pPr marL="457200" lvl="0" indent="-311150" algn="l" rtl="0">
+              <a:lnSpc>
+                <a:spcPct val="120000"/>
+              </a:lnSpc>
+              <a:spcBef>
+                <a:spcPts val="0"/>
+              </a:spcBef>
+              <a:spcAft>
+                <a:spcPts val="0"/>
+              </a:spcAft>
+              <a:buClr>
+                <a:schemeClr val="lt1"/>
+              </a:buClr>
+              <a:buSzPts val="1300"/>
+              <a:buChar char="●"/>
+            </a:pPr>
+            <a:r>
+              <a:rPr lang="en-US" dirty="0"/>
+              <a:t>Keep all configurations local and similar</a:t>
+            </a:r>
+          </a:p>
+          <a:p>
+            <a:pPr marL="457200" lvl="0" indent="-311150" algn="l" rtl="0">
+              <a:lnSpc>
+                <a:spcPct val="120000"/>
+              </a:lnSpc>
+              <a:spcBef>
+                <a:spcPts val="0"/>
+              </a:spcBef>
+              <a:spcAft>
+                <a:spcPts val="0"/>
+              </a:spcAft>
+              <a:buClr>
+                <a:schemeClr val="lt1"/>
+              </a:buClr>
+              <a:buSzPts val="1300"/>
+              <a:buChar char="●"/>
+            </a:pPr>
+            <a:r>
+              <a:rPr lang="en-US" dirty="0"/>
+              <a:t>The importance of Ros Workspace sourcing</a:t>
+            </a:r>
+          </a:p>
+          <a:p>
+            <a:pPr marL="457200" lvl="0" indent="-311150" algn="l" rtl="0">
+              <a:lnSpc>
+                <a:spcPct val="120000"/>
+              </a:lnSpc>
+              <a:spcBef>
+                <a:spcPts val="0"/>
+              </a:spcBef>
+              <a:spcAft>
+                <a:spcPts val="0"/>
+              </a:spcAft>
+              <a:buClr>
+                <a:schemeClr val="lt1"/>
+              </a:buClr>
+              <a:buSzPts val="1300"/>
+              <a:buChar char="●"/>
+            </a:pPr>
+            <a:r>
+              <a:rPr lang="en-US" dirty="0"/>
+              <a:t>Need to refine movements and gestures </a:t>
+            </a:r>
+            <a:endParaRPr dirty="0"/>
+          </a:p>
+          <a:p>
+            <a:pPr marL="457200" lvl="0" indent="-311150" algn="l" rtl="0">
+              <a:lnSpc>
+                <a:spcPct val="120000"/>
+              </a:lnSpc>
+              <a:spcBef>
+                <a:spcPts val="0"/>
+              </a:spcBef>
+              <a:spcAft>
+                <a:spcPts val="0"/>
+              </a:spcAft>
+              <a:buClr>
+                <a:schemeClr val="lt1"/>
+              </a:buClr>
+              <a:buSzPts val="1300"/>
+              <a:buChar char="●"/>
+            </a:pPr>
+            <a:r>
+              <a:rPr lang="en" dirty="0"/>
+              <a:t>Refine our skills with OpenCV, </a:t>
+            </a:r>
+            <a:r>
+              <a:rPr lang="en-US" dirty="0"/>
+              <a:t>make movements and gestures funnier and based on the facial recognition system</a:t>
+            </a:r>
+          </a:p>
+          <a:p>
+            <a:pPr marL="457200" lvl="0" indent="-311150" algn="l" rtl="0">
+              <a:lnSpc>
+                <a:spcPct val="120000"/>
+              </a:lnSpc>
+              <a:spcBef>
+                <a:spcPts val="0"/>
+              </a:spcBef>
+              <a:spcAft>
+                <a:spcPts val="0"/>
+              </a:spcAft>
+              <a:buClr>
+                <a:schemeClr val="lt1"/>
+              </a:buClr>
+              <a:buSzPts val="1300"/>
+              <a:buChar char="●"/>
+            </a:pPr>
+            <a:r>
+              <a:rPr lang="en-US" dirty="0"/>
+              <a:t>Put more time into speech synthesis, need to make bridged connection for Internet</a:t>
+            </a:r>
+            <a:endParaRPr dirty="0"/>
+          </a:p>
+        </p:txBody>
+      </p:sp>
+    </p:spTree>
   </p:cSld>
   <p:clrMapOvr>
     <a:masterClrMapping/>

--- a/ECE478_Einstein_Turtlebot_Team6_Project_1/Einstein_Turtlebot_Presentaion.pptx
+++ b/ECE478_Einstein_Turtlebot_Team6_Project_1/Einstein_Turtlebot_Presentaion.pptx
@@ -265,7 +265,7 @@
       </p15:sldGuideLst>
     </p:ext>
     <p:ext uri="http://customooxmlschemas.google.com/">
-      <go:slidesCustomData xmlns:go="http://customooxmlschemas.google.com/" xmlns:p15="http://schemas.microsoft.com/office/powerpoint/2012/main" xmlns:p14="http://schemas.microsoft.com/office/powerpoint/2010/main" xmlns:com="http://schemas.openxmlformats.org/drawingml/2006/compatibility" xmlns:pvml="urn:schemas-microsoft-com:office:powerpoint" xmlns:v="urn:schemas-microsoft-com:vml" xmlns:o="urn:schemas-microsoft-com:office:office" xmlns:dgm="http://schemas.openxmlformats.org/drawingml/2006/diagram" xmlns:c="http://schemas.openxmlformats.org/drawingml/2006/chart" xmlns:mv="urn:schemas-microsoft-com:mac:vml" xmlns:mc="http://schemas.openxmlformats.org/markup-compatibility/2006" xmlns="" r:id="rId14" roundtripDataSignature="AMtx7mjURLFzoo3sKHhhRdyG01ewp7PSpg=="/>
+      <go:slidesCustomData xmlns="" xmlns:mc="http://schemas.openxmlformats.org/markup-compatibility/2006" xmlns:mv="urn:schemas-microsoft-com:mac:vml" xmlns:c="http://schemas.openxmlformats.org/drawingml/2006/chart" xmlns:dgm="http://schemas.openxmlformats.org/drawingml/2006/diagram" xmlns:o="urn:schemas-microsoft-com:office:office" xmlns:v="urn:schemas-microsoft-com:vml" xmlns:pvml="urn:schemas-microsoft-com:office:powerpoint" xmlns:com="http://schemas.openxmlformats.org/drawingml/2006/compatibility" xmlns:p14="http://schemas.microsoft.com/office/powerpoint/2010/main" xmlns:p15="http://schemas.microsoft.com/office/powerpoint/2012/main" xmlns:go="http://customooxmlschemas.google.com/" r:id="rId14" roundtripDataSignature="AMtx7mjURLFzoo3sKHhhRdyG01ewp7PSpg=="/>
     </p:ext>
   </p:extLst>
 </p:presentation>
@@ -31188,7 +31188,15 @@
           <a:p>
             <a:r>
               <a:rPr lang="en-US" dirty="0"/>
-              <a:t>Einstein raise arms and laugh based on vision and commands</a:t>
+              <a:t>Einstein raise arms </a:t>
+            </a:r>
+            <a:r>
+              <a:rPr lang="en-US"/>
+              <a:t>and dance based </a:t>
+            </a:r>
+            <a:r>
+              <a:rPr lang="en-US" dirty="0"/>
+              <a:t>on vision and commands</a:t>
             </a:r>
           </a:p>
           <a:p>
